--- a/Artefato 23 - Matriz de Rastreabilidade.pptx
+++ b/Artefato 23 - Matriz de Rastreabilidade.pptx
@@ -241,7 +241,7 @@
           <a:p>
             <a:fld id="{E5BEF503-4A01-482D-8276-6B4BCE737EAA}" type="datetimeFigureOut">
               <a:rPr lang="pt-BR" smtClean="0"/>
-              <a:t>18/11/2020</a:t>
+              <a:t>20/11/2020</a:t>
             </a:fld>
             <a:endParaRPr lang="pt-BR"/>
           </a:p>
@@ -409,7 +409,7 @@
           <a:p>
             <a:fld id="{E5BEF503-4A01-482D-8276-6B4BCE737EAA}" type="datetimeFigureOut">
               <a:rPr lang="pt-BR" smtClean="0"/>
-              <a:t>18/11/2020</a:t>
+              <a:t>20/11/2020</a:t>
             </a:fld>
             <a:endParaRPr lang="pt-BR"/>
           </a:p>
@@ -587,7 +587,7 @@
           <a:p>
             <a:fld id="{E5BEF503-4A01-482D-8276-6B4BCE737EAA}" type="datetimeFigureOut">
               <a:rPr lang="pt-BR" smtClean="0"/>
-              <a:t>18/11/2020</a:t>
+              <a:t>20/11/2020</a:t>
             </a:fld>
             <a:endParaRPr lang="pt-BR"/>
           </a:p>
@@ -755,7 +755,7 @@
           <a:p>
             <a:fld id="{E5BEF503-4A01-482D-8276-6B4BCE737EAA}" type="datetimeFigureOut">
               <a:rPr lang="pt-BR" smtClean="0"/>
-              <a:t>18/11/2020</a:t>
+              <a:t>20/11/2020</a:t>
             </a:fld>
             <a:endParaRPr lang="pt-BR"/>
           </a:p>
@@ -1000,7 +1000,7 @@
           <a:p>
             <a:fld id="{E5BEF503-4A01-482D-8276-6B4BCE737EAA}" type="datetimeFigureOut">
               <a:rPr lang="pt-BR" smtClean="0"/>
-              <a:t>18/11/2020</a:t>
+              <a:t>20/11/2020</a:t>
             </a:fld>
             <a:endParaRPr lang="pt-BR"/>
           </a:p>
@@ -1229,7 +1229,7 @@
           <a:p>
             <a:fld id="{E5BEF503-4A01-482D-8276-6B4BCE737EAA}" type="datetimeFigureOut">
               <a:rPr lang="pt-BR" smtClean="0"/>
-              <a:t>18/11/2020</a:t>
+              <a:t>20/11/2020</a:t>
             </a:fld>
             <a:endParaRPr lang="pt-BR"/>
           </a:p>
@@ -1593,7 +1593,7 @@
           <a:p>
             <a:fld id="{E5BEF503-4A01-482D-8276-6B4BCE737EAA}" type="datetimeFigureOut">
               <a:rPr lang="pt-BR" smtClean="0"/>
-              <a:t>18/11/2020</a:t>
+              <a:t>20/11/2020</a:t>
             </a:fld>
             <a:endParaRPr lang="pt-BR"/>
           </a:p>
@@ -1710,7 +1710,7 @@
           <a:p>
             <a:fld id="{E5BEF503-4A01-482D-8276-6B4BCE737EAA}" type="datetimeFigureOut">
               <a:rPr lang="pt-BR" smtClean="0"/>
-              <a:t>18/11/2020</a:t>
+              <a:t>20/11/2020</a:t>
             </a:fld>
             <a:endParaRPr lang="pt-BR"/>
           </a:p>
@@ -1805,7 +1805,7 @@
           <a:p>
             <a:fld id="{E5BEF503-4A01-482D-8276-6B4BCE737EAA}" type="datetimeFigureOut">
               <a:rPr lang="pt-BR" smtClean="0"/>
-              <a:t>18/11/2020</a:t>
+              <a:t>20/11/2020</a:t>
             </a:fld>
             <a:endParaRPr lang="pt-BR"/>
           </a:p>
@@ -2080,7 +2080,7 @@
           <a:p>
             <a:fld id="{E5BEF503-4A01-482D-8276-6B4BCE737EAA}" type="datetimeFigureOut">
               <a:rPr lang="pt-BR" smtClean="0"/>
-              <a:t>18/11/2020</a:t>
+              <a:t>20/11/2020</a:t>
             </a:fld>
             <a:endParaRPr lang="pt-BR"/>
           </a:p>
@@ -2332,7 +2332,7 @@
           <a:p>
             <a:fld id="{E5BEF503-4A01-482D-8276-6B4BCE737EAA}" type="datetimeFigureOut">
               <a:rPr lang="pt-BR" smtClean="0"/>
-              <a:t>18/11/2020</a:t>
+              <a:t>20/11/2020</a:t>
             </a:fld>
             <a:endParaRPr lang="pt-BR"/>
           </a:p>
@@ -2543,7 +2543,7 @@
           <a:p>
             <a:fld id="{E5BEF503-4A01-482D-8276-6B4BCE737EAA}" type="datetimeFigureOut">
               <a:rPr lang="pt-BR" smtClean="0"/>
-              <a:t>18/11/2020</a:t>
+              <a:t>20/11/2020</a:t>
             </a:fld>
             <a:endParaRPr lang="pt-BR"/>
           </a:p>
@@ -3015,29 +3015,6 @@
               <a:t>Lista de Requisitos X Características</a:t>
             </a:r>
           </a:p>
-          <a:p>
-            <a:pPr>
-              <a:spcBef>
-                <a:spcPts val="0"/>
-              </a:spcBef>
-              <a:buClr>
-                <a:schemeClr val="dk1"/>
-              </a:buClr>
-              <a:buSzPts val="4400"/>
-            </a:pPr>
-            <a:r>
-              <a:rPr lang="pt-BR" sz="4400" dirty="0">
-                <a:solidFill>
-                  <a:schemeClr val="dk1"/>
-                </a:solidFill>
-                <a:latin typeface="Calibri"/>
-                <a:ea typeface="Calibri"/>
-                <a:cs typeface="Calibri"/>
-                <a:sym typeface="Calibri"/>
-              </a:rPr>
-              <a:t>Capacidade Agendar Leva e Trás do Animal</a:t>
-            </a:r>
-          </a:p>
         </p:txBody>
       </p:sp>
       <p:graphicFrame>
